--- a/Assicurazioni/Smart Contract.pptx
+++ b/Assicurazioni/Smart Contract.pptx
@@ -272,7 +272,7 @@
               <a:pPr>
                 <a:defRPr/>
               </a:pPr>
-              <a:t>3/11/2023</a:t>
+              <a:t>3/14/2023</a:t>
             </a:fld>
             <a:endParaRPr lang="en-US"/>
           </a:p>
@@ -6906,7 +6906,51 @@
                 <a:ea typeface="Tahoma" panose="020B0604030504040204" pitchFamily="34" charset="0"/>
                 <a:cs typeface="Tahoma" panose="020B0604030504040204" pitchFamily="34" charset="0"/>
               </a:rPr>
-              <a:t>E sottolinearlo serve a tener lontana qualsiasi tentazione di eleggere questi strumenti a sostituti tout court delle delle forme contrattuali tradizionali. Anche se è indubbio che aprono nuovi spazi professionali.</a:t>
+              <a:t>E sottolinearlo serve a tener lontana qualsiasi tentazione di eleggere questi strumenti a sostituti </a:t>
+            </a:r>
+            <a:r>
+              <a:rPr lang="it-IT" sz="2400" b="1">
+                <a:solidFill>
+                  <a:schemeClr val="tx1"/>
+                </a:solidFill>
+                <a:latin typeface="Tahoma" panose="020B0604030504040204" pitchFamily="34" charset="0"/>
+                <a:ea typeface="Tahoma" panose="020B0604030504040204" pitchFamily="34" charset="0"/>
+                <a:cs typeface="Tahoma" panose="020B0604030504040204" pitchFamily="34" charset="0"/>
+              </a:rPr>
+              <a:t>tout court </a:t>
+            </a:r>
+            <a:r>
+              <a:rPr lang="it-IT" sz="2400">
+                <a:solidFill>
+                  <a:schemeClr val="tx1"/>
+                </a:solidFill>
+                <a:latin typeface="Tahoma" panose="020B0604030504040204" pitchFamily="34" charset="0"/>
+                <a:ea typeface="Tahoma" panose="020B0604030504040204" pitchFamily="34" charset="0"/>
+                <a:cs typeface="Tahoma" panose="020B0604030504040204" pitchFamily="34" charset="0"/>
+              </a:rPr>
+              <a:t>delle </a:t>
+            </a:r>
+            <a:r>
+              <a:rPr lang="it-IT" sz="2400" smtClean="0">
+                <a:solidFill>
+                  <a:schemeClr val="tx1"/>
+                </a:solidFill>
+                <a:latin typeface="Tahoma" panose="020B0604030504040204" pitchFamily="34" charset="0"/>
+                <a:ea typeface="Tahoma" panose="020B0604030504040204" pitchFamily="34" charset="0"/>
+                <a:cs typeface="Tahoma" panose="020B0604030504040204" pitchFamily="34" charset="0"/>
+              </a:rPr>
+              <a:t>forme </a:t>
+            </a:r>
+            <a:r>
+              <a:rPr lang="it-IT" sz="2400">
+                <a:solidFill>
+                  <a:schemeClr val="tx1"/>
+                </a:solidFill>
+                <a:latin typeface="Tahoma" panose="020B0604030504040204" pitchFamily="34" charset="0"/>
+                <a:ea typeface="Tahoma" panose="020B0604030504040204" pitchFamily="34" charset="0"/>
+                <a:cs typeface="Tahoma" panose="020B0604030504040204" pitchFamily="34" charset="0"/>
+              </a:rPr>
+              <a:t>contrattuali tradizionali. Anche se è indubbio che aprono nuovi spazi professionali.</a:t>
             </a:r>
           </a:p>
         </p:txBody>
@@ -7741,7 +7785,67 @@
                 <a:effectLst/>
                 <a:latin typeface="Arial" panose="020B0604020202020204" pitchFamily="34" charset="0"/>
               </a:rPr>
-              <a:t>Questa accezione di smart contract non è esattamente quella di un contratto, ma piuttosto quella di un programma la cui esecuzione e i cui risultati sono garantiti integri dalle proprietà di una blockchain pubblica, tale accezione deriva dalla scelta del progetto Ethereum di denominare tale codice in esecuzione come smart contract.</a:t>
+              <a:t>Questa accezione di smart contract non è esattamente quella di un contratto, ma piuttosto quella di un programma la cui esecuzione e i cui risultati sono garantiti integri dalle proprietà di una </a:t>
+            </a:r>
+            <a:r>
+              <a:rPr lang="it-IT" sz="2400" b="1" i="0">
+                <a:solidFill>
+                  <a:srgbClr val="202122"/>
+                </a:solidFill>
+                <a:effectLst/>
+                <a:latin typeface="Arial" panose="020B0604020202020204" pitchFamily="34" charset="0"/>
+              </a:rPr>
+              <a:t>blockchain</a:t>
+            </a:r>
+            <a:r>
+              <a:rPr lang="it-IT" sz="2400" b="0" i="0">
+                <a:solidFill>
+                  <a:srgbClr val="202122"/>
+                </a:solidFill>
+                <a:effectLst/>
+                <a:latin typeface="Arial" panose="020B0604020202020204" pitchFamily="34" charset="0"/>
+              </a:rPr>
+              <a:t> </a:t>
+            </a:r>
+            <a:r>
+              <a:rPr lang="it-IT" sz="2400" b="1" i="0">
+                <a:solidFill>
+                  <a:srgbClr val="202122"/>
+                </a:solidFill>
+                <a:effectLst/>
+                <a:latin typeface="Arial" panose="020B0604020202020204" pitchFamily="34" charset="0"/>
+              </a:rPr>
+              <a:t>pubblica</a:t>
+            </a:r>
+            <a:r>
+              <a:rPr lang="it-IT" sz="2400" b="0" i="0">
+                <a:solidFill>
+                  <a:srgbClr val="202122"/>
+                </a:solidFill>
+                <a:effectLst/>
+                <a:latin typeface="Arial" panose="020B0604020202020204" pitchFamily="34" charset="0"/>
+              </a:rPr>
+              <a:t>, tale accezione deriva dalla scelta del progetto </a:t>
+            </a:r>
+            <a:r>
+              <a:rPr lang="it-IT" sz="2400" b="1" i="0">
+                <a:solidFill>
+                  <a:srgbClr val="202122"/>
+                </a:solidFill>
+                <a:effectLst/>
+                <a:latin typeface="Arial" panose="020B0604020202020204" pitchFamily="34" charset="0"/>
+              </a:rPr>
+              <a:t>Ethereum</a:t>
+            </a:r>
+            <a:r>
+              <a:rPr lang="it-IT" sz="2400" b="0" i="0">
+                <a:solidFill>
+                  <a:srgbClr val="202122"/>
+                </a:solidFill>
+                <a:effectLst/>
+                <a:latin typeface="Arial" panose="020B0604020202020204" pitchFamily="34" charset="0"/>
+              </a:rPr>
+              <a:t> di denominare tale codice in esecuzione come smart contract.</a:t>
             </a:r>
             <a:endParaRPr lang="it-IT" sz="2400">
               <a:solidFill>
@@ -7938,7 +8042,51 @@
                 <a:ea typeface="Tahoma" panose="020B0604030504040204" pitchFamily="34" charset="0"/>
                 <a:cs typeface="Tahoma" panose="020B0604030504040204" pitchFamily="34" charset="0"/>
               </a:rPr>
-              <a:t>I sostenitori degli smart contract affermano che molti tipi di clausole contrattuali possono quindi essere rese parzialmente o integralmente automatizzate, auto-ottemperanti, o entrambe le cose. </a:t>
+              <a:t>I sostenitori degli smart contract affermano che molti tipi di </a:t>
+            </a:r>
+            <a:r>
+              <a:rPr lang="it-IT" sz="2400" b="1">
+                <a:solidFill>
+                  <a:schemeClr val="tx1"/>
+                </a:solidFill>
+                <a:latin typeface="Tahoma" panose="020B0604030504040204" pitchFamily="34" charset="0"/>
+                <a:ea typeface="Tahoma" panose="020B0604030504040204" pitchFamily="34" charset="0"/>
+                <a:cs typeface="Tahoma" panose="020B0604030504040204" pitchFamily="34" charset="0"/>
+              </a:rPr>
+              <a:t>clausole</a:t>
+            </a:r>
+            <a:r>
+              <a:rPr lang="it-IT" sz="2400">
+                <a:solidFill>
+                  <a:schemeClr val="tx1"/>
+                </a:solidFill>
+                <a:latin typeface="Tahoma" panose="020B0604030504040204" pitchFamily="34" charset="0"/>
+                <a:ea typeface="Tahoma" panose="020B0604030504040204" pitchFamily="34" charset="0"/>
+                <a:cs typeface="Tahoma" panose="020B0604030504040204" pitchFamily="34" charset="0"/>
+              </a:rPr>
+              <a:t> </a:t>
+            </a:r>
+            <a:r>
+              <a:rPr lang="it-IT" sz="2400" b="1">
+                <a:solidFill>
+                  <a:schemeClr val="tx1"/>
+                </a:solidFill>
+                <a:latin typeface="Tahoma" panose="020B0604030504040204" pitchFamily="34" charset="0"/>
+                <a:ea typeface="Tahoma" panose="020B0604030504040204" pitchFamily="34" charset="0"/>
+                <a:cs typeface="Tahoma" panose="020B0604030504040204" pitchFamily="34" charset="0"/>
+              </a:rPr>
+              <a:t>contrattuali</a:t>
+            </a:r>
+            <a:r>
+              <a:rPr lang="it-IT" sz="2400">
+                <a:solidFill>
+                  <a:schemeClr val="tx1"/>
+                </a:solidFill>
+                <a:latin typeface="Tahoma" panose="020B0604030504040204" pitchFamily="34" charset="0"/>
+                <a:ea typeface="Tahoma" panose="020B0604030504040204" pitchFamily="34" charset="0"/>
+                <a:cs typeface="Tahoma" panose="020B0604030504040204" pitchFamily="34" charset="0"/>
+              </a:rPr>
+              <a:t> possono quindi essere rese parzialmente o integralmente automatizzate, auto-ottemperanti, o entrambe le cose. </a:t>
             </a:r>
           </a:p>
           <a:p>
@@ -8877,6 +9025,79 @@
 </file>
 
 <file path=customXml/item1.xml><?xml version="1.0" encoding="utf-8"?>
+<p:properties xmlns:p="http://schemas.microsoft.com/office/2006/metadata/properties" xmlns:xsi="http://www.w3.org/2001/XMLSchema-instance" xmlns:pc="http://schemas.microsoft.com/office/infopath/2007/PartnerControls">
+  <documentManagement>
+    <SottoCategoria xmlns="679261c3-551f-4e86-913f-177e0e529669">-</SottoCategoria>
+    <Categoria xmlns="c58f2efd-82a8-4ecf-b395-8c25e928921d">Power Point</Categoria>
+    <_dlc_DocId xmlns="459159c4-d20a-4ff3-9b11-fbd127bd52e5">INTRANET-14-158</_dlc_DocId>
+    <_dlc_DocIdUrl xmlns="459159c4-d20a-4ff3-9b11-fbd127bd52e5">
+      <Url>https://intranet.istat.it/Collaborativi/_layouts/15/DocIdRedir.aspx?ID=INTRANET-14-158</Url>
+      <Description>INTRANET-14-158</Description>
+    </_dlc_DocIdUrl>
+  </documentManagement>
+</p:properties>
+</file>
+
+<file path=customXml/item2.xml><?xml version="1.0" encoding="utf-8"?>
+<?mso-contentType ?>
+<FormTemplates xmlns="http://schemas.microsoft.com/sharepoint/v3/contenttype/forms">
+  <Display>DocumentLibraryForm</Display>
+  <Edit>DocumentLibraryForm</Edit>
+  <New>DocumentLibraryForm</New>
+</FormTemplates>
+</file>
+
+<file path=customXml/item3.xml><?xml version="1.0" encoding="utf-8"?>
+<?mso-contentType ?>
+<spe:Receivers xmlns:spe="http://schemas.microsoft.com/sharepoint/events">
+  <Receiver>
+    <Name>Document ID Generator</Name>
+    <Synchronization>Synchronous</Synchronization>
+    <Type>10001</Type>
+    <SequenceNumber>1000</SequenceNumber>
+    <Url/>
+    <Assembly>Microsoft.Office.DocumentManagement, Version=15.0.0.0, Culture=neutral, PublicKeyToken=71e9bce111e9429c</Assembly>
+    <Class>Microsoft.Office.DocumentManagement.Internal.DocIdHandler</Class>
+    <Data/>
+    <Filter/>
+  </Receiver>
+  <Receiver>
+    <Name>Document ID Generator</Name>
+    <Synchronization>Synchronous</Synchronization>
+    <Type>10002</Type>
+    <SequenceNumber>1001</SequenceNumber>
+    <Url/>
+    <Assembly>Microsoft.Office.DocumentManagement, Version=15.0.0.0, Culture=neutral, PublicKeyToken=71e9bce111e9429c</Assembly>
+    <Class>Microsoft.Office.DocumentManagement.Internal.DocIdHandler</Class>
+    <Data/>
+    <Filter/>
+  </Receiver>
+  <Receiver>
+    <Name>Document ID Generator</Name>
+    <Synchronization>Synchronous</Synchronization>
+    <Type>10004</Type>
+    <SequenceNumber>1002</SequenceNumber>
+    <Url/>
+    <Assembly>Microsoft.Office.DocumentManagement, Version=15.0.0.0, Culture=neutral, PublicKeyToken=71e9bce111e9429c</Assembly>
+    <Class>Microsoft.Office.DocumentManagement.Internal.DocIdHandler</Class>
+    <Data/>
+    <Filter/>
+  </Receiver>
+  <Receiver>
+    <Name>Document ID Generator</Name>
+    <Synchronization>Synchronous</Synchronization>
+    <Type>10006</Type>
+    <SequenceNumber>1003</SequenceNumber>
+    <Url/>
+    <Assembly>Microsoft.Office.DocumentManagement, Version=15.0.0.0, Culture=neutral, PublicKeyToken=71e9bce111e9429c</Assembly>
+    <Class>Microsoft.Office.DocumentManagement.Internal.DocIdHandler</Class>
+    <Data/>
+    <Filter/>
+  </Receiver>
+</spe:Receivers>
+</file>
+
+<file path=customXml/item4.xml><?xml version="1.0" encoding="utf-8"?>
 <ct:contentTypeSchema xmlns:ct="http://schemas.microsoft.com/office/2006/metadata/contentType" xmlns:ma="http://schemas.microsoft.com/office/2006/metadata/properties/metaAttributes" ct:_="" ma:_="" ma:contentTypeName="Documento" ma:contentTypeID="0x010100661A2BE3120D674DA36C11D6006822D4" ma:contentTypeVersion="3" ma:contentTypeDescription="Creare un nuovo documento." ma:contentTypeScope="" ma:versionID="2ad8b07f9840a1ce9cd199d874146b74">
   <xsd:schema xmlns:xsd="http://www.w3.org/2001/XMLSchema" xmlns:xs="http://www.w3.org/2001/XMLSchema" xmlns:p="http://schemas.microsoft.com/office/2006/metadata/properties" xmlns:ns2="c58f2efd-82a8-4ecf-b395-8c25e928921d" xmlns:ns3="459159c4-d20a-4ff3-9b11-fbd127bd52e5" xmlns:ns4="679261c3-551f-4e86-913f-177e0e529669" targetNamespace="http://schemas.microsoft.com/office/2006/metadata/properties" ma:root="true" ma:fieldsID="fffb0e16fb90ffea59fef1085e90ecca" ns2:_="" ns3:_="" ns4:_="">
     <xsd:import namespace="c58f2efd-82a8-4ecf-b395-8c25e928921d"/>
@@ -9063,80 +9284,41 @@
 </ct:contentTypeSchema>
 </file>
 
-<file path=customXml/item2.xml><?xml version="1.0" encoding="utf-8"?>
-<?mso-contentType ?>
-<spe:Receivers xmlns:spe="http://schemas.microsoft.com/sharepoint/events">
-  <Receiver>
-    <Name>Document ID Generator</Name>
-    <Synchronization>Synchronous</Synchronization>
-    <Type>10001</Type>
-    <SequenceNumber>1000</SequenceNumber>
-    <Url/>
-    <Assembly>Microsoft.Office.DocumentManagement, Version=15.0.0.0, Culture=neutral, PublicKeyToken=71e9bce111e9429c</Assembly>
-    <Class>Microsoft.Office.DocumentManagement.Internal.DocIdHandler</Class>
-    <Data/>
-    <Filter/>
-  </Receiver>
-  <Receiver>
-    <Name>Document ID Generator</Name>
-    <Synchronization>Synchronous</Synchronization>
-    <Type>10002</Type>
-    <SequenceNumber>1001</SequenceNumber>
-    <Url/>
-    <Assembly>Microsoft.Office.DocumentManagement, Version=15.0.0.0, Culture=neutral, PublicKeyToken=71e9bce111e9429c</Assembly>
-    <Class>Microsoft.Office.DocumentManagement.Internal.DocIdHandler</Class>
-    <Data/>
-    <Filter/>
-  </Receiver>
-  <Receiver>
-    <Name>Document ID Generator</Name>
-    <Synchronization>Synchronous</Synchronization>
-    <Type>10004</Type>
-    <SequenceNumber>1002</SequenceNumber>
-    <Url/>
-    <Assembly>Microsoft.Office.DocumentManagement, Version=15.0.0.0, Culture=neutral, PublicKeyToken=71e9bce111e9429c</Assembly>
-    <Class>Microsoft.Office.DocumentManagement.Internal.DocIdHandler</Class>
-    <Data/>
-    <Filter/>
-  </Receiver>
-  <Receiver>
-    <Name>Document ID Generator</Name>
-    <Synchronization>Synchronous</Synchronization>
-    <Type>10006</Type>
-    <SequenceNumber>1003</SequenceNumber>
-    <Url/>
-    <Assembly>Microsoft.Office.DocumentManagement, Version=15.0.0.0, Culture=neutral, PublicKeyToken=71e9bce111e9429c</Assembly>
-    <Class>Microsoft.Office.DocumentManagement.Internal.DocIdHandler</Class>
-    <Data/>
-    <Filter/>
-  </Receiver>
-</spe:Receivers>
+<file path=customXml/itemProps1.xml><?xml version="1.0" encoding="utf-8"?>
+<ds:datastoreItem xmlns:ds="http://schemas.openxmlformats.org/officeDocument/2006/customXml" ds:itemID="{3EF378BC-F4D0-4510-B4EC-07B6EFE18CF8}">
+  <ds:schemaRefs>
+    <ds:schemaRef ds:uri="http://schemas.microsoft.com/office/infopath/2007/PartnerControls"/>
+    <ds:schemaRef ds:uri="http://purl.org/dc/elements/1.1/"/>
+    <ds:schemaRef ds:uri="http://schemas.microsoft.com/office/2006/metadata/properties"/>
+    <ds:schemaRef ds:uri="http://schemas.openxmlformats.org/package/2006/metadata/core-properties"/>
+    <ds:schemaRef ds:uri="http://purl.org/dc/terms/"/>
+    <ds:schemaRef ds:uri="679261c3-551f-4e86-913f-177e0e529669"/>
+    <ds:schemaRef ds:uri="459159c4-d20a-4ff3-9b11-fbd127bd52e5"/>
+    <ds:schemaRef ds:uri="http://schemas.microsoft.com/office/2006/documentManagement/types"/>
+    <ds:schemaRef ds:uri="c58f2efd-82a8-4ecf-b395-8c25e928921d"/>
+    <ds:schemaRef ds:uri="http://www.w3.org/XML/1998/namespace"/>
+    <ds:schemaRef ds:uri="http://purl.org/dc/dcmitype/"/>
+  </ds:schemaRefs>
+</ds:datastoreItem>
 </file>
 
-<file path=customXml/item3.xml><?xml version="1.0" encoding="utf-8"?>
-<?mso-contentType ?>
-<FormTemplates xmlns="http://schemas.microsoft.com/sharepoint/v3/contenttype/forms">
-  <Display>DocumentLibraryForm</Display>
-  <Edit>DocumentLibraryForm</Edit>
-  <New>DocumentLibraryForm</New>
-</FormTemplates>
+<file path=customXml/itemProps2.xml><?xml version="1.0" encoding="utf-8"?>
+<ds:datastoreItem xmlns:ds="http://schemas.openxmlformats.org/officeDocument/2006/customXml" ds:itemID="{BD9C238D-4D5C-4783-820B-4854DCE45D41}">
+  <ds:schemaRefs>
+    <ds:schemaRef ds:uri="http://schemas.microsoft.com/sharepoint/v3/contenttype/forms"/>
+  </ds:schemaRefs>
+</ds:datastoreItem>
 </file>
 
-<file path=customXml/item4.xml><?xml version="1.0" encoding="utf-8"?>
-<p:properties xmlns:p="http://schemas.microsoft.com/office/2006/metadata/properties" xmlns:xsi="http://www.w3.org/2001/XMLSchema-instance" xmlns:pc="http://schemas.microsoft.com/office/infopath/2007/PartnerControls">
-  <documentManagement>
-    <SottoCategoria xmlns="679261c3-551f-4e86-913f-177e0e529669">-</SottoCategoria>
-    <Categoria xmlns="c58f2efd-82a8-4ecf-b395-8c25e928921d">Power Point</Categoria>
-    <_dlc_DocId xmlns="459159c4-d20a-4ff3-9b11-fbd127bd52e5">INTRANET-14-158</_dlc_DocId>
-    <_dlc_DocIdUrl xmlns="459159c4-d20a-4ff3-9b11-fbd127bd52e5">
-      <Url>https://intranet.istat.it/Collaborativi/_layouts/15/DocIdRedir.aspx?ID=INTRANET-14-158</Url>
-      <Description>INTRANET-14-158</Description>
-    </_dlc_DocIdUrl>
-  </documentManagement>
-</p:properties>
+<file path=customXml/itemProps3.xml><?xml version="1.0" encoding="utf-8"?>
+<ds:datastoreItem xmlns:ds="http://schemas.openxmlformats.org/officeDocument/2006/customXml" ds:itemID="{D9296C4F-9DE9-4B43-AA80-1FC85656CFFA}">
+  <ds:schemaRefs>
+    <ds:schemaRef ds:uri="http://schemas.microsoft.com/sharepoint/events"/>
+  </ds:schemaRefs>
+</ds:datastoreItem>
 </file>
 
-<file path=customXml/itemProps1.xml><?xml version="1.0" encoding="utf-8"?>
+<file path=customXml/itemProps4.xml><?xml version="1.0" encoding="utf-8"?>
 <ds:datastoreItem xmlns:ds="http://schemas.openxmlformats.org/officeDocument/2006/customXml" ds:itemID="{3F66F418-6054-4EA5-BF8E-6AF3CEAE6265}">
   <ds:schemaRefs>
     <ds:schemaRef ds:uri="http://schemas.microsoft.com/office/2006/metadata/contentType"/>
@@ -9154,38 +9336,4 @@
     <ds:schemaRef ds:uri="http://schemas.microsoft.com/internal/obd"/>
   </ds:schemaRefs>
 </ds:datastoreItem>
-</file>
-
-<file path=customXml/itemProps2.xml><?xml version="1.0" encoding="utf-8"?>
-<ds:datastoreItem xmlns:ds="http://schemas.openxmlformats.org/officeDocument/2006/customXml" ds:itemID="{D9296C4F-9DE9-4B43-AA80-1FC85656CFFA}">
-  <ds:schemaRefs>
-    <ds:schemaRef ds:uri="http://schemas.microsoft.com/sharepoint/events"/>
-  </ds:schemaRefs>
-</ds:datastoreItem>
-</file>
-
-<file path=customXml/itemProps3.xml><?xml version="1.0" encoding="utf-8"?>
-<ds:datastoreItem xmlns:ds="http://schemas.openxmlformats.org/officeDocument/2006/customXml" ds:itemID="{BD9C238D-4D5C-4783-820B-4854DCE45D41}">
-  <ds:schemaRefs>
-    <ds:schemaRef ds:uri="http://schemas.microsoft.com/sharepoint/v3/contenttype/forms"/>
-  </ds:schemaRefs>
-</ds:datastoreItem>
-</file>
-
-<file path=customXml/itemProps4.xml><?xml version="1.0" encoding="utf-8"?>
-<ds:datastoreItem xmlns:ds="http://schemas.openxmlformats.org/officeDocument/2006/customXml" ds:itemID="{3EF378BC-F4D0-4510-B4EC-07B6EFE18CF8}">
-  <ds:schemaRefs>
-    <ds:schemaRef ds:uri="http://schemas.microsoft.com/office/infopath/2007/PartnerControls"/>
-    <ds:schemaRef ds:uri="http://purl.org/dc/elements/1.1/"/>
-    <ds:schemaRef ds:uri="http://schemas.microsoft.com/office/2006/metadata/properties"/>
-    <ds:schemaRef ds:uri="http://schemas.openxmlformats.org/package/2006/metadata/core-properties"/>
-    <ds:schemaRef ds:uri="http://purl.org/dc/terms/"/>
-    <ds:schemaRef ds:uri="679261c3-551f-4e86-913f-177e0e529669"/>
-    <ds:schemaRef ds:uri="459159c4-d20a-4ff3-9b11-fbd127bd52e5"/>
-    <ds:schemaRef ds:uri="http://schemas.microsoft.com/office/2006/documentManagement/types"/>
-    <ds:schemaRef ds:uri="c58f2efd-82a8-4ecf-b395-8c25e928921d"/>
-    <ds:schemaRef ds:uri="http://www.w3.org/XML/1998/namespace"/>
-    <ds:schemaRef ds:uri="http://purl.org/dc/dcmitype/"/>
-  </ds:schemaRefs>
-</ds:datastoreItem>
 </file>